--- a/4. Hands-on Modules/1. Pre-Lab Work/1. Pre-Lab Introduction.pptx
+++ b/4. Hands-on Modules/1. Pre-Lab Work/1. Pre-Lab Introduction.pptx
@@ -6,16 +6,19 @@
     <p:sldMasterId id="2147483665" r:id="rId5"/>
   </p:sldMasterIdLst>
   <p:notesMasterIdLst>
-    <p:notesMasterId r:id="rId13"/>
+    <p:notesMasterId r:id="rId16"/>
   </p:notesMasterIdLst>
   <p:sldIdLst>
     <p:sldId id="300" r:id="rId6"/>
     <p:sldId id="312" r:id="rId7"/>
     <p:sldId id="323" r:id="rId8"/>
     <p:sldId id="324" r:id="rId9"/>
-    <p:sldId id="265" r:id="rId10"/>
-    <p:sldId id="333" r:id="rId11"/>
-    <p:sldId id="315" r:id="rId12"/>
+    <p:sldId id="334" r:id="rId10"/>
+    <p:sldId id="265" r:id="rId11"/>
+    <p:sldId id="336" r:id="rId12"/>
+    <p:sldId id="335" r:id="rId13"/>
+    <p:sldId id="333" r:id="rId14"/>
+    <p:sldId id="315" r:id="rId15"/>
   </p:sldIdLst>
   <p:sldSz cx="12192000" cy="6858000"/>
   <p:notesSz cx="6858000" cy="9144000"/>
@@ -213,7 +216,7 @@
           <a:p>
             <a:fld id="{52A13B17-C506-4D51-BB37-16B365906619}" type="datetimeFigureOut">
               <a:rPr lang="en-US" smtClean="0"/>
-              <a:t>2/27/2019</a:t>
+              <a:t>2/28/2019</a:t>
             </a:fld>
             <a:endParaRPr lang="en-US"/>
           </a:p>
@@ -762,7 +765,7 @@
           <a:p>
             <a:fld id="{35A2D088-BDBD-41A5-ADCE-5C6A4DC08057}" type="datetime8">
               <a:rPr lang="en-US" smtClean="0"/>
-              <a:t>2/27/2019 7:55 PM</a:t>
+              <a:t>2/28/2019 12:56 PM</a:t>
             </a:fld>
             <a:endParaRPr lang="en-US" dirty="0"/>
           </a:p>
@@ -1027,7 +1030,7 @@
           <a:p>
             <a:fld id="{35A2D088-BDBD-41A5-ADCE-5C6A4DC08057}" type="datetime8">
               <a:rPr lang="en-US" smtClean="0"/>
-              <a:t>2/27/2019 7:55 PM</a:t>
+              <a:t>2/28/2019 12:56 PM</a:t>
             </a:fld>
             <a:endParaRPr lang="en-US" dirty="0"/>
           </a:p>
@@ -1051,7 +1054,7 @@
             <a:fld id="{B4008EB6-D09E-4580-8CD6-DDB14511944F}" type="slidenum">
               <a:rPr lang="en-US" smtClean="0"/>
               <a:pPr/>
-              <a:t>6</a:t>
+              <a:t>9</a:t>
             </a:fld>
             <a:endParaRPr lang="en-US" dirty="0"/>
           </a:p>
@@ -1177,7 +1180,7 @@
                   <a:prstClr val="black"/>
                 </a:solidFill>
               </a:rPr>
-              <a:t>2/27/2019 7:55 PM</a:t>
+              <a:t>2/28/2019 12:56 PM</a:t>
             </a:fld>
             <a:endParaRPr lang="en-US" dirty="0">
               <a:solidFill>
@@ -1209,7 +1212,7 @@
                 </a:solidFill>
               </a:rPr>
               <a:pPr/>
-              <a:t>7</a:t>
+              <a:t>10</a:t>
             </a:fld>
             <a:endParaRPr lang="en-US" dirty="0">
               <a:solidFill>
@@ -11323,7 +11326,7 @@
             <a:fld id="{2E809A50-B28D-413A-915D-87F91E5248C6}" type="datetimeFigureOut">
               <a:rPr lang="en-US" smtClean="0"/>
               <a:pPr/>
-              <a:t>2/27/2019</a:t>
+              <a:t>2/28/2019</a:t>
             </a:fld>
             <a:endParaRPr lang="en-US"/>
           </a:p>
@@ -11510,7 +11513,7 @@
           <a:p>
             <a:fld id="{1279C872-40C5-4778-A459-913B2790679C}" type="datetimeFigureOut">
               <a:rPr lang="en-US" smtClean="0"/>
-              <a:t>2/27/2019</a:t>
+              <a:t>2/28/2019</a:t>
             </a:fld>
             <a:endParaRPr lang="en-US"/>
           </a:p>
@@ -13859,6 +13862,56 @@
 </p:sld>
 </file>
 
+<file path=ppt/slides/slide10.xml><?xml version="1.0" encoding="utf-8"?>
+<p:sld xmlns:a="http://schemas.openxmlformats.org/drawingml/2006/main" xmlns:r="http://schemas.openxmlformats.org/officeDocument/2006/relationships" xmlns:p="http://schemas.openxmlformats.org/presentationml/2006/main">
+  <p:cSld>
+    <p:bg>
+      <p:bgPr>
+        <a:solidFill>
+          <a:schemeClr val="bg2"/>
+        </a:solidFill>
+        <a:effectLst/>
+      </p:bgPr>
+    </p:bg>
+    <p:spTree>
+      <p:nvGrpSpPr>
+        <p:cNvPr id="1" name=""/>
+        <p:cNvGrpSpPr/>
+        <p:nvPr/>
+      </p:nvGrpSpPr>
+      <p:grpSpPr>
+        <a:xfrm>
+          <a:off x="0" y="0"/>
+          <a:ext cx="0" cy="0"/>
+          <a:chOff x="0" y="0"/>
+          <a:chExt cx="0" cy="0"/>
+        </a:xfrm>
+      </p:grpSpPr>
+    </p:spTree>
+    <p:extLst>
+      <p:ext uri="{BB962C8B-B14F-4D97-AF65-F5344CB8AC3E}">
+        <p14:creationId xmlns:p14="http://schemas.microsoft.com/office/powerpoint/2010/main" val="1897784522"/>
+      </p:ext>
+    </p:extLst>
+  </p:cSld>
+  <p:clrMapOvr>
+    <a:masterClrMapping/>
+  </p:clrMapOvr>
+  <mc:AlternateContent xmlns:mc="http://schemas.openxmlformats.org/markup-compatibility/2006" xmlns:p14="http://schemas.microsoft.com/office/powerpoint/2010/main">
+    <mc:Choice Requires="p14">
+      <p:transition spd="med" p14:dur="700">
+        <p:fade/>
+      </p:transition>
+    </mc:Choice>
+    <mc:Fallback xmlns="">
+      <p:transition spd="med">
+        <p:fade/>
+      </p:transition>
+    </mc:Fallback>
+  </mc:AlternateContent>
+</p:sld>
+</file>
+
 <file path=ppt/slides/slide2.xml><?xml version="1.0" encoding="utf-8"?>
 <p:sld xmlns:a="http://schemas.openxmlformats.org/drawingml/2006/main" xmlns:r="http://schemas.openxmlformats.org/officeDocument/2006/relationships" xmlns:p="http://schemas.openxmlformats.org/presentationml/2006/main">
   <p:cSld>
@@ -14120,7 +14173,7 @@
             <p:ph idx="1"/>
             <p:extLst>
               <p:ext uri="{D42A27DB-BD31-4B8C-83A1-F6EECF244321}">
-                <p14:modId xmlns:p14="http://schemas.microsoft.com/office/powerpoint/2010/main" val="984346659"/>
+                <p14:modId xmlns:p14="http://schemas.microsoft.com/office/powerpoint/2010/main" val="869591152"/>
               </p:ext>
             </p:extLst>
           </p:nvPr>
@@ -14143,16 +14196,23 @@
                     </a:ext>
                   </a:extLst>
                 </a:gridCol>
-                <a:gridCol w="6150300">
+                <a:gridCol w="5254994">
                   <a:extLst>
                     <a:ext uri="{9D8B030D-6E8A-4147-A177-3AD203B41FA5}">
                       <a16:colId xmlns:a16="http://schemas.microsoft.com/office/drawing/2014/main" val="2366481895"/>
                     </a:ext>
                   </a:extLst>
                 </a:gridCol>
+                <a:gridCol w="895306">
+                  <a:extLst>
+                    <a:ext uri="{9D8B030D-6E8A-4147-A177-3AD203B41FA5}">
+                      <a16:colId xmlns:a16="http://schemas.microsoft.com/office/drawing/2014/main" val="2522062909"/>
+                    </a:ext>
+                  </a:extLst>
+                </a:gridCol>
               </a:tblGrid>
               <a:tr h="453237">
-                <a:tc>
+                <a:tc gridSpan="3">
                   <a:txBody>
                     <a:bodyPr/>
                     <a:lstStyle/>
@@ -14162,15 +14222,25 @@
                   </a:txBody>
                   <a:tcPr marL="90647" marR="90647" marT="45324" marB="45324"/>
                 </a:tc>
-                <a:tc>
+                <a:tc hMerge="1">
                   <a:txBody>
                     <a:bodyPr/>
                     <a:lstStyle/>
                     <a:p>
-                      <a:endParaRPr lang="en-US" sz="1800"/>
+                      <a:endParaRPr lang="en-US" sz="1800" dirty="0"/>
                     </a:p>
                   </a:txBody>
                   <a:tcPr marL="90647" marR="90647" marT="45324" marB="45324"/>
+                </a:tc>
+                <a:tc hMerge="1">
+                  <a:txBody>
+                    <a:bodyPr/>
+                    <a:lstStyle/>
+                    <a:p>
+                      <a:endParaRPr lang="en-US"/>
+                    </a:p>
+                  </a:txBody>
+                  <a:tcPr/>
                 </a:tc>
                 <a:extLst>
                   <a:ext uri="{0D108BD9-81ED-4DB2-BD59-A6C34878D82A}">
@@ -14189,8 +14259,18 @@
                         <a:t>Pre-Lab Introduction</a:t>
                       </a:r>
                     </a:p>
+                  </a:txBody>
+                  <a:tcPr marL="90647" marR="90647" marT="45324" marB="45324" anchor="ctr"/>
+                </a:tc>
+                <a:tc>
+                  <a:txBody>
+                    <a:bodyPr/>
+                    <a:lstStyle/>
                     <a:p>
-                      <a:endParaRPr lang="en-US" sz="1800" dirty="0"/>
+                      <a:r>
+                        <a:rPr lang="en-US" sz="1200" dirty="0"/>
+                        <a:t>An overview of the required material is outlined in the following slide</a:t>
+                      </a:r>
                     </a:p>
                   </a:txBody>
                   <a:tcPr marL="90647" marR="90647" marT="45324" marB="45324" anchor="ctr"/>
@@ -14202,7 +14282,7 @@
                     <a:p>
                       <a:r>
                         <a:rPr lang="en-US" sz="1200" dirty="0"/>
-                        <a:t>An overview of the required material is outlined in the following slide</a:t>
+                        <a:t>10 Minutes</a:t>
                       </a:r>
                     </a:p>
                   </a:txBody>
@@ -14250,6 +14330,127 @@
       </p:grpSpPr>
       <p:sp>
         <p:nvSpPr>
+          <p:cNvPr id="2" name="Text Placeholder 1">
+            <a:extLst>
+              <a:ext uri="{FF2B5EF4-FFF2-40B4-BE49-F238E27FC236}">
+                <a16:creationId xmlns:a16="http://schemas.microsoft.com/office/drawing/2014/main" id="{AC332576-F506-4617-860E-7E55AF241DCA}"/>
+              </a:ext>
+            </a:extLst>
+          </p:cNvPr>
+          <p:cNvSpPr>
+            <a:spLocks noGrp="1"/>
+          </p:cNvSpPr>
+          <p:nvPr>
+            <p:ph type="body" sz="quarter" idx="10"/>
+          </p:nvPr>
+        </p:nvSpPr>
+        <p:spPr>
+          <a:xfrm>
+            <a:off x="269239" y="1189177"/>
+            <a:ext cx="11653523" cy="2092881"/>
+          </a:xfrm>
+        </p:spPr>
+        <p:txBody>
+          <a:bodyPr/>
+          <a:lstStyle/>
+          <a:p>
+            <a:r>
+              <a:rPr lang="en-US" sz="2000" dirty="0"/>
+              <a:t>The Pre-Lab Module is designed to walk you through how to set up all the resources required for the Modules</a:t>
+            </a:r>
+          </a:p>
+          <a:p>
+            <a:r>
+              <a:rPr lang="en-US" sz="2000" dirty="0"/>
+              <a:t>This overview will discuss:</a:t>
+            </a:r>
+          </a:p>
+          <a:p>
+            <a:pPr lvl="1"/>
+            <a:r>
+              <a:rPr lang="en-US" sz="2000" dirty="0"/>
+              <a:t>the data resources at a high level, </a:t>
+            </a:r>
+          </a:p>
+          <a:p>
+            <a:pPr lvl="1"/>
+            <a:r>
+              <a:rPr lang="en-US" sz="2000" dirty="0"/>
+              <a:t>the expected time frame, </a:t>
+            </a:r>
+          </a:p>
+          <a:p>
+            <a:pPr lvl="1"/>
+            <a:r>
+              <a:rPr lang="en-US" sz="2000" dirty="0"/>
+              <a:t>and </a:t>
+            </a:r>
+          </a:p>
+        </p:txBody>
+      </p:sp>
+      <p:sp>
+        <p:nvSpPr>
+          <p:cNvPr id="3" name="Title 2">
+            <a:extLst>
+              <a:ext uri="{FF2B5EF4-FFF2-40B4-BE49-F238E27FC236}">
+                <a16:creationId xmlns:a16="http://schemas.microsoft.com/office/drawing/2014/main" id="{6FA3E385-E580-4CBD-9915-F525917AB8E9}"/>
+              </a:ext>
+            </a:extLst>
+          </p:cNvPr>
+          <p:cNvSpPr>
+            <a:spLocks noGrp="1"/>
+          </p:cNvSpPr>
+          <p:nvPr>
+            <p:ph type="title"/>
+          </p:nvPr>
+        </p:nvSpPr>
+        <p:spPr/>
+        <p:txBody>
+          <a:bodyPr/>
+          <a:lstStyle/>
+          <a:p>
+            <a:r>
+              <a:rPr lang="en-US" dirty="0"/>
+              <a:t>Pre-Lab Overview</a:t>
+            </a:r>
+          </a:p>
+        </p:txBody>
+      </p:sp>
+    </p:spTree>
+    <p:extLst>
+      <p:ext uri="{BB962C8B-B14F-4D97-AF65-F5344CB8AC3E}">
+        <p14:creationId xmlns:p14="http://schemas.microsoft.com/office/powerpoint/2010/main" val="2987582650"/>
+      </p:ext>
+    </p:extLst>
+  </p:cSld>
+  <p:clrMapOvr>
+    <a:masterClrMapping/>
+  </p:clrMapOvr>
+  <p:transition>
+    <p:fade/>
+  </p:transition>
+</p:sld>
+</file>
+
+<file path=ppt/slides/slide6.xml><?xml version="1.0" encoding="utf-8"?>
+<p:sld xmlns:a="http://schemas.openxmlformats.org/drawingml/2006/main" xmlns:r="http://schemas.openxmlformats.org/officeDocument/2006/relationships" xmlns:p="http://schemas.openxmlformats.org/presentationml/2006/main">
+  <p:cSld>
+    <p:spTree>
+      <p:nvGrpSpPr>
+        <p:cNvPr id="1" name=""/>
+        <p:cNvGrpSpPr/>
+        <p:nvPr/>
+      </p:nvGrpSpPr>
+      <p:grpSpPr>
+        <a:xfrm>
+          <a:off x="0" y="0"/>
+          <a:ext cx="0" cy="0"/>
+          <a:chOff x="0" y="0"/>
+          <a:chExt cx="0" cy="0"/>
+        </a:xfrm>
+      </p:grpSpPr>
+      <p:sp>
+        <p:nvSpPr>
           <p:cNvPr id="4" name="Content Placeholder 3">
             <a:extLst>
               <a:ext uri="{FF2B5EF4-FFF2-40B4-BE49-F238E27FC236}">
@@ -14305,7 +14506,7 @@
               <a:rPr lang="en-US" sz="4400" b="1" dirty="0">
                 <a:latin typeface="+mn-lt"/>
               </a:rPr>
-              <a:t>Power BI Pre-Lab</a:t>
+              <a:t>Pre-Lab Resources</a:t>
             </a:r>
             <a:endParaRPr lang="en-US" sz="4400" kern="1200" dirty="0">
               <a:solidFill>
@@ -14333,14 +14534,14 @@
           <p:nvPr>
             <p:extLst>
               <p:ext uri="{D42A27DB-BD31-4B8C-83A1-F6EECF244321}">
-                <p14:modId xmlns:p14="http://schemas.microsoft.com/office/powerpoint/2010/main" val="1205986224"/>
+                <p14:modId xmlns:p14="http://schemas.microsoft.com/office/powerpoint/2010/main" val="2386218235"/>
               </p:ext>
             </p:extLst>
           </p:nvPr>
         </p:nvGraphicFramePr>
         <p:xfrm>
           <a:off x="2032000" y="2333138"/>
-          <a:ext cx="8128000" cy="3233166"/>
+          <a:ext cx="8128000" cy="2964180"/>
         </p:xfrm>
         <a:graphic>
           <a:graphicData uri="http://schemas.openxmlformats.org/drawingml/2006/table">
@@ -14405,7 +14606,7 @@
                     <a:p>
                       <a:r>
                         <a:rPr lang="en-US" dirty="0"/>
-                        <a:t>Three methods of Data Sets are available for the Module to customize the to connect Power BI to data required for the data model</a:t>
+                        <a:t>Three methods of Data Sets are available for the Module.  Select one of the three options:</a:t>
                       </a:r>
                     </a:p>
                     <a:p>
@@ -14599,7 +14800,7 @@
                     <a:p>
                       <a:r>
                         <a:rPr lang="en-US" dirty="0"/>
-                        <a:t>One Web App is available to use as an example to embed Power BI objects</a:t>
+                        <a:t>Web Apps available to use as an example to embed Power BI objects</a:t>
                       </a:r>
                     </a:p>
                   </a:txBody>
@@ -14650,7 +14851,520 @@
 </p:sld>
 </file>
 
-<file path=ppt/slides/slide6.xml><?xml version="1.0" encoding="utf-8"?>
+<file path=ppt/slides/slide7.xml><?xml version="1.0" encoding="utf-8"?>
+<p:sld xmlns:a="http://schemas.openxmlformats.org/drawingml/2006/main" xmlns:r="http://schemas.openxmlformats.org/officeDocument/2006/relationships" xmlns:p="http://schemas.openxmlformats.org/presentationml/2006/main">
+  <p:cSld>
+    <p:spTree>
+      <p:nvGrpSpPr>
+        <p:cNvPr id="1" name=""/>
+        <p:cNvGrpSpPr/>
+        <p:nvPr/>
+      </p:nvGrpSpPr>
+      <p:grpSpPr>
+        <a:xfrm>
+          <a:off x="0" y="0"/>
+          <a:ext cx="0" cy="0"/>
+          <a:chOff x="0" y="0"/>
+          <a:chExt cx="0" cy="0"/>
+        </a:xfrm>
+      </p:grpSpPr>
+      <p:sp>
+        <p:nvSpPr>
+          <p:cNvPr id="4" name="Content Placeholder 3">
+            <a:extLst>
+              <a:ext uri="{FF2B5EF4-FFF2-40B4-BE49-F238E27FC236}">
+                <a16:creationId xmlns:a16="http://schemas.microsoft.com/office/drawing/2014/main" id="{AF2C42A9-88FA-4F65-A5E5-04393337A5BD}"/>
+              </a:ext>
+            </a:extLst>
+          </p:cNvPr>
+          <p:cNvSpPr>
+            <a:spLocks noGrp="1"/>
+          </p:cNvSpPr>
+          <p:nvPr>
+            <p:ph type="body" sz="quarter" idx="10"/>
+          </p:nvPr>
+        </p:nvSpPr>
+        <p:spPr/>
+        <p:txBody>
+          <a:bodyPr vert="horz" lIns="91440" tIns="45720" rIns="91440" bIns="45720" rtlCol="0">
+            <a:normAutofit/>
+          </a:bodyPr>
+          <a:lstStyle/>
+          <a:p>
+            <a:r>
+              <a:rPr lang="en-US" sz="2000" dirty="0"/>
+              <a:t>The set of resources are ordered and grouped in a logical manner to assist in leading workshops or developing skills through self-paced materials.</a:t>
+            </a:r>
+          </a:p>
+        </p:txBody>
+      </p:sp>
+      <p:sp>
+        <p:nvSpPr>
+          <p:cNvPr id="2" name="Title 1">
+            <a:extLst>
+              <a:ext uri="{FF2B5EF4-FFF2-40B4-BE49-F238E27FC236}">
+                <a16:creationId xmlns:a16="http://schemas.microsoft.com/office/drawing/2014/main" id="{4E24AFA5-27D2-4E92-A5D5-A72899EB40E5}"/>
+              </a:ext>
+            </a:extLst>
+          </p:cNvPr>
+          <p:cNvSpPr>
+            <a:spLocks noGrp="1"/>
+          </p:cNvSpPr>
+          <p:nvPr>
+            <p:ph type="title"/>
+          </p:nvPr>
+        </p:nvSpPr>
+        <p:spPr/>
+        <p:txBody>
+          <a:bodyPr vert="horz" lIns="91440" tIns="45720" rIns="91440" bIns="45720" rtlCol="0" anchor="ctr">
+            <a:normAutofit/>
+          </a:bodyPr>
+          <a:lstStyle/>
+          <a:p>
+            <a:r>
+              <a:rPr lang="en-US" sz="4400" b="1" dirty="0">
+                <a:latin typeface="+mn-lt"/>
+              </a:rPr>
+              <a:t>Pre-Lab Tools</a:t>
+            </a:r>
+            <a:endParaRPr lang="en-US" sz="4400" kern="1200" dirty="0">
+              <a:solidFill>
+                <a:schemeClr val="tx1"/>
+              </a:solidFill>
+              <a:latin typeface="+mn-lt"/>
+              <a:ea typeface="+mj-ea"/>
+              <a:cs typeface="+mj-cs"/>
+            </a:endParaRPr>
+          </a:p>
+        </p:txBody>
+      </p:sp>
+      <p:graphicFrame>
+        <p:nvGraphicFramePr>
+          <p:cNvPr id="3" name="Table 2">
+            <a:extLst>
+              <a:ext uri="{FF2B5EF4-FFF2-40B4-BE49-F238E27FC236}">
+                <a16:creationId xmlns:a16="http://schemas.microsoft.com/office/drawing/2014/main" id="{AFEBF485-8265-425E-8531-6035E7F4D382}"/>
+              </a:ext>
+            </a:extLst>
+          </p:cNvPr>
+          <p:cNvGraphicFramePr>
+            <a:graphicFrameLocks noGrp="1"/>
+          </p:cNvGraphicFramePr>
+          <p:nvPr>
+            <p:extLst>
+              <p:ext uri="{D42A27DB-BD31-4B8C-83A1-F6EECF244321}">
+                <p14:modId xmlns:p14="http://schemas.microsoft.com/office/powerpoint/2010/main" val="942344232"/>
+              </p:ext>
+            </p:extLst>
+          </p:nvPr>
+        </p:nvGraphicFramePr>
+        <p:xfrm>
+          <a:off x="2032000" y="2333138"/>
+          <a:ext cx="8128000" cy="2964180"/>
+        </p:xfrm>
+        <a:graphic>
+          <a:graphicData uri="http://schemas.openxmlformats.org/drawingml/2006/table">
+            <a:tbl>
+              <a:tblPr firstRow="1" bandRow="1">
+                <a:tableStyleId>{2D5ABB26-0587-4C30-8999-92F81FD0307C}</a:tableStyleId>
+              </a:tblPr>
+              <a:tblGrid>
+                <a:gridCol w="4064000">
+                  <a:extLst>
+                    <a:ext uri="{9D8B030D-6E8A-4147-A177-3AD203B41FA5}">
+                      <a16:colId xmlns:a16="http://schemas.microsoft.com/office/drawing/2014/main" val="3606999150"/>
+                    </a:ext>
+                  </a:extLst>
+                </a:gridCol>
+                <a:gridCol w="4064000">
+                  <a:extLst>
+                    <a:ext uri="{9D8B030D-6E8A-4147-A177-3AD203B41FA5}">
+                      <a16:colId xmlns:a16="http://schemas.microsoft.com/office/drawing/2014/main" val="2089083564"/>
+                    </a:ext>
+                  </a:extLst>
+                </a:gridCol>
+              </a:tblGrid>
+              <a:tr h="370840">
+                <a:tc>
+                  <a:txBody>
+                    <a:bodyPr/>
+                    <a:lstStyle/>
+                    <a:p>
+                      <a:pPr algn="ctr"/>
+                      <a:r>
+                        <a:rPr lang="en-US" dirty="0"/>
+                        <a:t>Visual Studio Code</a:t>
+                      </a:r>
+                    </a:p>
+                  </a:txBody>
+                  <a:tcPr anchor="ctr">
+                    <a:lnR w="12700" cap="flat" cmpd="sng" algn="ctr">
+                      <a:solidFill>
+                        <a:schemeClr val="tx1"/>
+                      </a:solidFill>
+                      <a:prstDash val="solid"/>
+                      <a:round/>
+                      <a:headEnd type="none" w="med" len="med"/>
+                      <a:tailEnd type="none" w="med" len="med"/>
+                    </a:lnR>
+                    <a:lnB w="12700" cap="flat" cmpd="sng" algn="ctr">
+                      <a:solidFill>
+                        <a:schemeClr val="tx1"/>
+                      </a:solidFill>
+                      <a:prstDash val="solid"/>
+                      <a:round/>
+                      <a:headEnd type="none" w="med" len="med"/>
+                      <a:tailEnd type="none" w="med" len="med"/>
+                    </a:lnB>
+                  </a:tcPr>
+                </a:tc>
+                <a:tc>
+                  <a:txBody>
+                    <a:bodyPr/>
+                    <a:lstStyle/>
+                    <a:p>
+                      <a:r>
+                        <a:rPr lang="en-US" dirty="0"/>
+                        <a:t>Three methods of Data Sets are available for the Module.  Select one of the three options:</a:t>
+                      </a:r>
+                    </a:p>
+                    <a:p>
+                      <a:pPr marL="285750" indent="-285750">
+                        <a:buFont typeface="Arial" panose="020B0604020202020204" pitchFamily="34" charset="0"/>
+                        <a:buChar char="•"/>
+                      </a:pPr>
+                      <a:r>
+                        <a:rPr lang="en-US" dirty="0"/>
+                        <a:t>Excel</a:t>
+                      </a:r>
+                    </a:p>
+                    <a:p>
+                      <a:pPr marL="285750" indent="-285750">
+                        <a:buFont typeface="Arial" panose="020B0604020202020204" pitchFamily="34" charset="0"/>
+                        <a:buChar char="•"/>
+                      </a:pPr>
+                      <a:r>
+                        <a:rPr lang="en-US" dirty="0" err="1"/>
+                        <a:t>Bacpac</a:t>
+                      </a:r>
+                      <a:endParaRPr lang="en-US" dirty="0"/>
+                    </a:p>
+                    <a:p>
+                      <a:pPr marL="285750" indent="-285750">
+                        <a:buFont typeface="Arial" panose="020B0604020202020204" pitchFamily="34" charset="0"/>
+                        <a:buChar char="•"/>
+                      </a:pPr>
+                      <a:r>
+                        <a:rPr lang="en-US" dirty="0" err="1"/>
+                        <a:t>Dstx</a:t>
+                      </a:r>
+                      <a:endParaRPr lang="en-US" dirty="0"/>
+                    </a:p>
+                  </a:txBody>
+                  <a:tcPr anchor="ctr">
+                    <a:lnL w="12700" cap="flat" cmpd="sng" algn="ctr">
+                      <a:solidFill>
+                        <a:schemeClr val="tx1"/>
+                      </a:solidFill>
+                      <a:prstDash val="solid"/>
+                      <a:round/>
+                      <a:headEnd type="none" w="med" len="med"/>
+                      <a:tailEnd type="none" w="med" len="med"/>
+                    </a:lnL>
+                    <a:lnB w="12700" cap="flat" cmpd="sng" algn="ctr">
+                      <a:solidFill>
+                        <a:schemeClr val="tx1"/>
+                      </a:solidFill>
+                      <a:prstDash val="solid"/>
+                      <a:round/>
+                      <a:headEnd type="none" w="med" len="med"/>
+                      <a:tailEnd type="none" w="med" len="med"/>
+                    </a:lnB>
+                  </a:tcPr>
+                </a:tc>
+                <a:extLst>
+                  <a:ext uri="{0D108BD9-81ED-4DB2-BD59-A6C34878D82A}">
+                    <a16:rowId xmlns:a16="http://schemas.microsoft.com/office/drawing/2014/main" val="4020740005"/>
+                  </a:ext>
+                </a:extLst>
+              </a:tr>
+              <a:tr h="370840">
+                <a:tc>
+                  <a:txBody>
+                    <a:bodyPr/>
+                    <a:lstStyle/>
+                    <a:p>
+                      <a:pPr algn="ctr"/>
+                      <a:r>
+                        <a:rPr lang="en-US" dirty="0"/>
+                        <a:t>Power BI Desktop</a:t>
+                      </a:r>
+                    </a:p>
+                  </a:txBody>
+                  <a:tcPr anchor="ctr">
+                    <a:lnR w="12700" cap="flat" cmpd="sng" algn="ctr">
+                      <a:solidFill>
+                        <a:schemeClr val="tx1"/>
+                      </a:solidFill>
+                      <a:prstDash val="solid"/>
+                      <a:round/>
+                      <a:headEnd type="none" w="med" len="med"/>
+                      <a:tailEnd type="none" w="med" len="med"/>
+                    </a:lnR>
+                    <a:lnT w="12700" cap="flat" cmpd="sng" algn="ctr">
+                      <a:solidFill>
+                        <a:schemeClr val="tx1"/>
+                      </a:solidFill>
+                      <a:prstDash val="solid"/>
+                      <a:round/>
+                      <a:headEnd type="none" w="med" len="med"/>
+                      <a:tailEnd type="none" w="med" len="med"/>
+                    </a:lnT>
+                    <a:lnB w="12700" cap="flat" cmpd="sng" algn="ctr">
+                      <a:solidFill>
+                        <a:schemeClr val="tx1"/>
+                      </a:solidFill>
+                      <a:prstDash val="solid"/>
+                      <a:round/>
+                      <a:headEnd type="none" w="med" len="med"/>
+                      <a:tailEnd type="none" w="med" len="med"/>
+                    </a:lnB>
+                  </a:tcPr>
+                </a:tc>
+                <a:tc>
+                  <a:txBody>
+                    <a:bodyPr/>
+                    <a:lstStyle/>
+                    <a:p>
+                      <a:r>
+                        <a:rPr lang="en-US" dirty="0"/>
+                        <a:t>Two Workbooks are attached as Power BI samples including visualizations</a:t>
+                      </a:r>
+                    </a:p>
+                  </a:txBody>
+                  <a:tcPr anchor="ctr">
+                    <a:lnL w="12700" cap="flat" cmpd="sng" algn="ctr">
+                      <a:solidFill>
+                        <a:schemeClr val="tx1"/>
+                      </a:solidFill>
+                      <a:prstDash val="solid"/>
+                      <a:round/>
+                      <a:headEnd type="none" w="med" len="med"/>
+                      <a:tailEnd type="none" w="med" len="med"/>
+                    </a:lnL>
+                    <a:lnT w="12700" cap="flat" cmpd="sng" algn="ctr">
+                      <a:solidFill>
+                        <a:schemeClr val="tx1"/>
+                      </a:solidFill>
+                      <a:prstDash val="solid"/>
+                      <a:round/>
+                      <a:headEnd type="none" w="med" len="med"/>
+                      <a:tailEnd type="none" w="med" len="med"/>
+                    </a:lnT>
+                    <a:lnB w="12700" cap="flat" cmpd="sng" algn="ctr">
+                      <a:solidFill>
+                        <a:schemeClr val="tx1"/>
+                      </a:solidFill>
+                      <a:prstDash val="solid"/>
+                      <a:round/>
+                      <a:headEnd type="none" w="med" len="med"/>
+                      <a:tailEnd type="none" w="med" len="med"/>
+                    </a:lnB>
+                  </a:tcPr>
+                </a:tc>
+                <a:extLst>
+                  <a:ext uri="{0D108BD9-81ED-4DB2-BD59-A6C34878D82A}">
+                    <a16:rowId xmlns:a16="http://schemas.microsoft.com/office/drawing/2014/main" val="1790459712"/>
+                  </a:ext>
+                </a:extLst>
+              </a:tr>
+              <a:tr h="370840">
+                <a:tc>
+                  <a:txBody>
+                    <a:bodyPr/>
+                    <a:lstStyle/>
+                    <a:p>
+                      <a:pPr algn="ctr"/>
+                      <a:r>
+                        <a:rPr lang="en-US" dirty="0"/>
+                        <a:t>Web App</a:t>
+                      </a:r>
+                    </a:p>
+                  </a:txBody>
+                  <a:tcPr anchor="ctr">
+                    <a:lnR w="12700" cap="flat" cmpd="sng" algn="ctr">
+                      <a:solidFill>
+                        <a:schemeClr val="tx1"/>
+                      </a:solidFill>
+                      <a:prstDash val="solid"/>
+                      <a:round/>
+                      <a:headEnd type="none" w="med" len="med"/>
+                      <a:tailEnd type="none" w="med" len="med"/>
+                    </a:lnR>
+                    <a:lnT w="12700" cap="flat" cmpd="sng" algn="ctr">
+                      <a:solidFill>
+                        <a:schemeClr val="tx1"/>
+                      </a:solidFill>
+                      <a:prstDash val="solid"/>
+                      <a:round/>
+                      <a:headEnd type="none" w="med" len="med"/>
+                      <a:tailEnd type="none" w="med" len="med"/>
+                    </a:lnT>
+                  </a:tcPr>
+                </a:tc>
+                <a:tc>
+                  <a:txBody>
+                    <a:bodyPr/>
+                    <a:lstStyle/>
+                    <a:p>
+                      <a:r>
+                        <a:rPr lang="en-US" dirty="0"/>
+                        <a:t>Web Apps available to use as an example to embed Power BI objects</a:t>
+                      </a:r>
+                    </a:p>
+                  </a:txBody>
+                  <a:tcPr anchor="ctr">
+                    <a:lnL w="12700" cap="flat" cmpd="sng" algn="ctr">
+                      <a:solidFill>
+                        <a:schemeClr val="tx1"/>
+                      </a:solidFill>
+                      <a:prstDash val="solid"/>
+                      <a:round/>
+                      <a:headEnd type="none" w="med" len="med"/>
+                      <a:tailEnd type="none" w="med" len="med"/>
+                    </a:lnL>
+                    <a:lnT w="12700" cap="flat" cmpd="sng" algn="ctr">
+                      <a:solidFill>
+                        <a:schemeClr val="tx1"/>
+                      </a:solidFill>
+                      <a:prstDash val="solid"/>
+                      <a:round/>
+                      <a:headEnd type="none" w="med" len="med"/>
+                      <a:tailEnd type="none" w="med" len="med"/>
+                    </a:lnT>
+                  </a:tcPr>
+                </a:tc>
+                <a:extLst>
+                  <a:ext uri="{0D108BD9-81ED-4DB2-BD59-A6C34878D82A}">
+                    <a16:rowId xmlns:a16="http://schemas.microsoft.com/office/drawing/2014/main" val="1074733179"/>
+                  </a:ext>
+                </a:extLst>
+              </a:tr>
+            </a:tbl>
+          </a:graphicData>
+        </a:graphic>
+      </p:graphicFrame>
+    </p:spTree>
+    <p:extLst>
+      <p:ext uri="{BB962C8B-B14F-4D97-AF65-F5344CB8AC3E}">
+        <p14:creationId xmlns:p14="http://schemas.microsoft.com/office/powerpoint/2010/main" val="3992267833"/>
+      </p:ext>
+    </p:extLst>
+  </p:cSld>
+  <p:clrMapOvr>
+    <a:masterClrMapping/>
+  </p:clrMapOvr>
+  <p:transition>
+    <p:fade/>
+  </p:transition>
+</p:sld>
+</file>
+
+<file path=ppt/slides/slide8.xml><?xml version="1.0" encoding="utf-8"?>
+<p:sld xmlns:a="http://schemas.openxmlformats.org/drawingml/2006/main" xmlns:r="http://schemas.openxmlformats.org/officeDocument/2006/relationships" xmlns:p="http://schemas.openxmlformats.org/presentationml/2006/main">
+  <p:cSld>
+    <p:spTree>
+      <p:nvGrpSpPr>
+        <p:cNvPr id="1" name=""/>
+        <p:cNvGrpSpPr/>
+        <p:nvPr/>
+      </p:nvGrpSpPr>
+      <p:grpSpPr>
+        <a:xfrm>
+          <a:off x="0" y="0"/>
+          <a:ext cx="0" cy="0"/>
+          <a:chOff x="0" y="0"/>
+          <a:chExt cx="0" cy="0"/>
+        </a:xfrm>
+      </p:grpSpPr>
+      <p:sp>
+        <p:nvSpPr>
+          <p:cNvPr id="2" name="Text Placeholder 1">
+            <a:extLst>
+              <a:ext uri="{FF2B5EF4-FFF2-40B4-BE49-F238E27FC236}">
+                <a16:creationId xmlns:a16="http://schemas.microsoft.com/office/drawing/2014/main" id="{07FBDD5D-398D-4B70-A793-B5A931C78C7A}"/>
+              </a:ext>
+            </a:extLst>
+          </p:cNvPr>
+          <p:cNvSpPr>
+            <a:spLocks noGrp="1"/>
+          </p:cNvSpPr>
+          <p:nvPr>
+            <p:ph type="body" sz="quarter" idx="10"/>
+          </p:nvPr>
+        </p:nvSpPr>
+        <p:spPr>
+          <a:xfrm>
+            <a:off x="269239" y="1189177"/>
+            <a:ext cx="11653523" cy="464423"/>
+          </a:xfrm>
+        </p:spPr>
+        <p:txBody>
+          <a:bodyPr/>
+          <a:lstStyle/>
+          <a:p>
+            <a:r>
+              <a:rPr lang="en-US" sz="2020" dirty="0"/>
+              <a:t>The Pre-Lab Module can take </a:t>
+            </a:r>
+          </a:p>
+        </p:txBody>
+      </p:sp>
+      <p:sp>
+        <p:nvSpPr>
+          <p:cNvPr id="3" name="Title 2">
+            <a:extLst>
+              <a:ext uri="{FF2B5EF4-FFF2-40B4-BE49-F238E27FC236}">
+                <a16:creationId xmlns:a16="http://schemas.microsoft.com/office/drawing/2014/main" id="{5E25CD3A-2FF6-4FB1-9CC5-DC09D680E05A}"/>
+              </a:ext>
+            </a:extLst>
+          </p:cNvPr>
+          <p:cNvSpPr>
+            <a:spLocks noGrp="1"/>
+          </p:cNvSpPr>
+          <p:nvPr>
+            <p:ph type="title"/>
+          </p:nvPr>
+        </p:nvSpPr>
+        <p:spPr/>
+        <p:txBody>
+          <a:bodyPr/>
+          <a:lstStyle/>
+          <a:p>
+            <a:r>
+              <a:rPr lang="en-US" dirty="0"/>
+              <a:t>Timeframe</a:t>
+            </a:r>
+          </a:p>
+        </p:txBody>
+      </p:sp>
+    </p:spTree>
+    <p:extLst>
+      <p:ext uri="{BB962C8B-B14F-4D97-AF65-F5344CB8AC3E}">
+        <p14:creationId xmlns:p14="http://schemas.microsoft.com/office/powerpoint/2010/main" val="1674479189"/>
+      </p:ext>
+    </p:extLst>
+  </p:cSld>
+  <p:clrMapOvr>
+    <a:masterClrMapping/>
+  </p:clrMapOvr>
+  <p:transition>
+    <p:fade/>
+  </p:transition>
+</p:sld>
+</file>
+
+<file path=ppt/slides/slide9.xml><?xml version="1.0" encoding="utf-8"?>
 <p:sld xmlns:a="http://schemas.openxmlformats.org/drawingml/2006/main" xmlns:r="http://schemas.openxmlformats.org/officeDocument/2006/relationships" xmlns:p="http://schemas.openxmlformats.org/presentationml/2006/main">
   <p:cSld>
     <p:spTree>
@@ -14697,56 +15411,6 @@
     <p:extLst>
       <p:ext uri="{BB962C8B-B14F-4D97-AF65-F5344CB8AC3E}">
         <p14:creationId xmlns:p14="http://schemas.microsoft.com/office/powerpoint/2010/main" val="2714070568"/>
-      </p:ext>
-    </p:extLst>
-  </p:cSld>
-  <p:clrMapOvr>
-    <a:masterClrMapping/>
-  </p:clrMapOvr>
-  <mc:AlternateContent xmlns:mc="http://schemas.openxmlformats.org/markup-compatibility/2006" xmlns:p14="http://schemas.microsoft.com/office/powerpoint/2010/main">
-    <mc:Choice Requires="p14">
-      <p:transition spd="med" p14:dur="700">
-        <p:fade/>
-      </p:transition>
-    </mc:Choice>
-    <mc:Fallback xmlns="">
-      <p:transition spd="med">
-        <p:fade/>
-      </p:transition>
-    </mc:Fallback>
-  </mc:AlternateContent>
-</p:sld>
-</file>
-
-<file path=ppt/slides/slide7.xml><?xml version="1.0" encoding="utf-8"?>
-<p:sld xmlns:a="http://schemas.openxmlformats.org/drawingml/2006/main" xmlns:r="http://schemas.openxmlformats.org/officeDocument/2006/relationships" xmlns:p="http://schemas.openxmlformats.org/presentationml/2006/main">
-  <p:cSld>
-    <p:bg>
-      <p:bgPr>
-        <a:solidFill>
-          <a:schemeClr val="bg2"/>
-        </a:solidFill>
-        <a:effectLst/>
-      </p:bgPr>
-    </p:bg>
-    <p:spTree>
-      <p:nvGrpSpPr>
-        <p:cNvPr id="1" name=""/>
-        <p:cNvGrpSpPr/>
-        <p:nvPr/>
-      </p:nvGrpSpPr>
-      <p:grpSpPr>
-        <a:xfrm>
-          <a:off x="0" y="0"/>
-          <a:ext cx="0" cy="0"/>
-          <a:chOff x="0" y="0"/>
-          <a:chExt cx="0" cy="0"/>
-        </a:xfrm>
-      </p:grpSpPr>
-    </p:spTree>
-    <p:extLst>
-      <p:ext uri="{BB962C8B-B14F-4D97-AF65-F5344CB8AC3E}">
-        <p14:creationId xmlns:p14="http://schemas.microsoft.com/office/powerpoint/2010/main" val="1897784522"/>
       </p:ext>
     </p:extLst>
   </p:cSld>
@@ -15643,6 +16307,15 @@
 </file>
 
 <file path=customXml/item2.xml><?xml version="1.0" encoding="utf-8"?>
+<p:properties xmlns:p="http://schemas.microsoft.com/office/2006/metadata/properties" xmlns:xsi="http://www.w3.org/2001/XMLSchema-instance" xmlns:pc="http://schemas.microsoft.com/office/infopath/2007/PartnerControls">
+  <documentManagement>
+    <_ip_UnifiedCompliancePolicyUIAction xmlns="http://schemas.microsoft.com/sharepoint/v3" xsi:nil="true"/>
+    <_ip_UnifiedCompliancePolicyProperties xmlns="http://schemas.microsoft.com/sharepoint/v3" xsi:nil="true"/>
+  </documentManagement>
+</p:properties>
+</file>
+
+<file path=customXml/item3.xml><?xml version="1.0" encoding="utf-8"?>
 <ct:contentTypeSchema xmlns:ct="http://schemas.microsoft.com/office/2006/metadata/contentType" xmlns:ma="http://schemas.microsoft.com/office/2006/metadata/properties/metaAttributes" ct:_="" ma:_="" ma:contentTypeName="Document" ma:contentTypeID="0x010100D15DFA3690A15B4081582BBCC6BEAC3E" ma:contentTypeVersion="9" ma:contentTypeDescription="Create a new document." ma:contentTypeScope="" ma:versionID="642da1784587cbe85a7fdbbe4dc36103">
   <xsd:schema xmlns:xsd="http://www.w3.org/2001/XMLSchema" xmlns:xs="http://www.w3.org/2001/XMLSchema" xmlns:p="http://schemas.microsoft.com/office/2006/metadata/properties" xmlns:ns1="http://schemas.microsoft.com/sharepoint/v3" xmlns:ns2="2023ac63-7b75-4916-a9ee-591457758eee" xmlns:ns3="d9c797ad-d7c3-4982-82b7-81352a75e4a5" targetNamespace="http://schemas.microsoft.com/office/2006/metadata/properties" ma:root="true" ma:fieldsID="91198b0246576053cc55dd2c67035a89" ns1:_="" ns2:_="" ns3:_="">
     <xsd:import namespace="http://schemas.microsoft.com/sharepoint/v3"/>
@@ -15844,15 +16517,6 @@
 </ct:contentTypeSchema>
 </file>
 
-<file path=customXml/item3.xml><?xml version="1.0" encoding="utf-8"?>
-<p:properties xmlns:p="http://schemas.microsoft.com/office/2006/metadata/properties" xmlns:xsi="http://www.w3.org/2001/XMLSchema-instance" xmlns:pc="http://schemas.microsoft.com/office/infopath/2007/PartnerControls">
-  <documentManagement>
-    <_ip_UnifiedCompliancePolicyUIAction xmlns="http://schemas.microsoft.com/sharepoint/v3" xsi:nil="true"/>
-    <_ip_UnifiedCompliancePolicyProperties xmlns="http://schemas.microsoft.com/sharepoint/v3" xsi:nil="true"/>
-  </documentManagement>
-</p:properties>
-</file>
-
 <file path=customXml/itemProps1.xml><?xml version="1.0" encoding="utf-8"?>
 <ds:datastoreItem xmlns:ds="http://schemas.openxmlformats.org/officeDocument/2006/customXml" ds:itemID="{F18501AF-04CF-4482-BAE1-607B49DDC378}">
   <ds:schemaRefs>
@@ -15862,6 +16526,24 @@
 </file>
 
 <file path=customXml/itemProps2.xml><?xml version="1.0" encoding="utf-8"?>
+<ds:datastoreItem xmlns:ds="http://schemas.openxmlformats.org/officeDocument/2006/customXml" ds:itemID="{BAF7D529-36AB-45DA-B239-2F912F2D1610}">
+  <ds:schemaRefs>
+    <ds:schemaRef ds:uri="http://schemas.microsoft.com/office/2006/metadata/properties"/>
+    <ds:schemaRef ds:uri="d9c797ad-d7c3-4982-82b7-81352a75e4a5"/>
+    <ds:schemaRef ds:uri="http://purl.org/dc/terms/"/>
+    <ds:schemaRef ds:uri="2023ac63-7b75-4916-a9ee-591457758eee"/>
+    <ds:schemaRef ds:uri="http://purl.org/dc/elements/1.1/"/>
+    <ds:schemaRef ds:uri="http://schemas.openxmlformats.org/package/2006/metadata/core-properties"/>
+    <ds:schemaRef ds:uri="http://purl.org/dc/dcmitype/"/>
+    <ds:schemaRef ds:uri="http://schemas.microsoft.com/office/2006/documentManagement/types"/>
+    <ds:schemaRef ds:uri="http://schemas.microsoft.com/office/infopath/2007/PartnerControls"/>
+    <ds:schemaRef ds:uri="http://schemas.microsoft.com/sharepoint/v3"/>
+    <ds:schemaRef ds:uri="http://www.w3.org/XML/1998/namespace"/>
+  </ds:schemaRefs>
+</ds:datastoreItem>
+</file>
+
+<file path=customXml/itemProps3.xml><?xml version="1.0" encoding="utf-8"?>
 <ds:datastoreItem xmlns:ds="http://schemas.openxmlformats.org/officeDocument/2006/customXml" ds:itemID="{255F5BEB-6AD6-480A-8556-C80C5EBC10F2}">
   <ds:schemaRefs>
     <ds:schemaRef ds:uri="http://schemas.microsoft.com/office/2006/metadata/contentType"/>
@@ -15879,22 +16561,4 @@
     <ds:schemaRef ds:uri="http://schemas.microsoft.com/internal/obd"/>
   </ds:schemaRefs>
 </ds:datastoreItem>
-</file>
-
-<file path=customXml/itemProps3.xml><?xml version="1.0" encoding="utf-8"?>
-<ds:datastoreItem xmlns:ds="http://schemas.openxmlformats.org/officeDocument/2006/customXml" ds:itemID="{BAF7D529-36AB-45DA-B239-2F912F2D1610}">
-  <ds:schemaRefs>
-    <ds:schemaRef ds:uri="http://schemas.microsoft.com/office/2006/metadata/properties"/>
-    <ds:schemaRef ds:uri="d9c797ad-d7c3-4982-82b7-81352a75e4a5"/>
-    <ds:schemaRef ds:uri="http://purl.org/dc/terms/"/>
-    <ds:schemaRef ds:uri="2023ac63-7b75-4916-a9ee-591457758eee"/>
-    <ds:schemaRef ds:uri="http://purl.org/dc/elements/1.1/"/>
-    <ds:schemaRef ds:uri="http://schemas.openxmlformats.org/package/2006/metadata/core-properties"/>
-    <ds:schemaRef ds:uri="http://purl.org/dc/dcmitype/"/>
-    <ds:schemaRef ds:uri="http://schemas.microsoft.com/office/2006/documentManagement/types"/>
-    <ds:schemaRef ds:uri="http://schemas.microsoft.com/office/infopath/2007/PartnerControls"/>
-    <ds:schemaRef ds:uri="http://schemas.microsoft.com/sharepoint/v3"/>
-    <ds:schemaRef ds:uri="http://www.w3.org/XML/1998/namespace"/>
-  </ds:schemaRefs>
-</ds:datastoreItem>
 </file>
--- a/4. Hands-on Modules/1. Pre-Lab Work/1. Pre-Lab Introduction.pptx
+++ b/4. Hands-on Modules/1. Pre-Lab Work/1. Pre-Lab Introduction.pptx
@@ -216,7 +216,7 @@
           <a:p>
             <a:fld id="{52A13B17-C506-4D51-BB37-16B365906619}" type="datetimeFigureOut">
               <a:rPr lang="en-US" smtClean="0"/>
-              <a:t>2/28/2019</a:t>
+              <a:t>3/4/2019</a:t>
             </a:fld>
             <a:endParaRPr lang="en-US"/>
           </a:p>
@@ -765,7 +765,7 @@
           <a:p>
             <a:fld id="{35A2D088-BDBD-41A5-ADCE-5C6A4DC08057}" type="datetime8">
               <a:rPr lang="en-US" smtClean="0"/>
-              <a:t>2/28/2019 12:56 PM</a:t>
+              <a:t>3/4/2019 11:58 AM</a:t>
             </a:fld>
             <a:endParaRPr lang="en-US" dirty="0"/>
           </a:p>
@@ -1030,7 +1030,7 @@
           <a:p>
             <a:fld id="{35A2D088-BDBD-41A5-ADCE-5C6A4DC08057}" type="datetime8">
               <a:rPr lang="en-US" smtClean="0"/>
-              <a:t>2/28/2019 12:56 PM</a:t>
+              <a:t>3/4/2019 11:58 AM</a:t>
             </a:fld>
             <a:endParaRPr lang="en-US" dirty="0"/>
           </a:p>
@@ -1180,7 +1180,7 @@
                   <a:prstClr val="black"/>
                 </a:solidFill>
               </a:rPr>
-              <a:t>2/28/2019 12:56 PM</a:t>
+              <a:t>3/4/2019 11:58 AM</a:t>
             </a:fld>
             <a:endParaRPr lang="en-US" dirty="0">
               <a:solidFill>
@@ -11326,7 +11326,7 @@
             <a:fld id="{2E809A50-B28D-413A-915D-87F91E5248C6}" type="datetimeFigureOut">
               <a:rPr lang="en-US" smtClean="0"/>
               <a:pPr/>
-              <a:t>2/28/2019</a:t>
+              <a:t>3/4/2019</a:t>
             </a:fld>
             <a:endParaRPr lang="en-US"/>
           </a:p>
@@ -11513,7 +11513,7 @@
           <a:p>
             <a:fld id="{1279C872-40C5-4778-A459-913B2790679C}" type="datetimeFigureOut">
               <a:rPr lang="en-US" smtClean="0"/>
-              <a:t>2/28/2019</a:t>
+              <a:t>3/4/2019</a:t>
             </a:fld>
             <a:endParaRPr lang="en-US"/>
           </a:p>
@@ -14347,7 +14347,7 @@
         <p:spPr>
           <a:xfrm>
             <a:off x="269239" y="1189177"/>
-            <a:ext cx="11653523" cy="2092881"/>
+            <a:ext cx="11653523" cy="2769989"/>
           </a:xfrm>
         </p:spPr>
         <p:txBody>
@@ -14355,35 +14355,67 @@
           <a:lstStyle/>
           <a:p>
             <a:r>
-              <a:rPr lang="en-US" sz="2000" dirty="0"/>
+              <a:rPr lang="en-US" sz="2000" dirty="0">
+                <a:latin typeface="+mn-lt"/>
+              </a:rPr>
               <a:t>The Pre-Lab Module is designed to walk you through how to set up all the resources required for the Modules</a:t>
             </a:r>
           </a:p>
           <a:p>
+            <a:pPr marL="0" indent="0">
+              <a:buNone/>
+            </a:pPr>
+            <a:endParaRPr lang="en-US" sz="2000" dirty="0">
+              <a:latin typeface="+mn-lt"/>
+            </a:endParaRPr>
+          </a:p>
+          <a:p>
+            <a:r>
+              <a:rPr lang="en-US" sz="2000" dirty="0">
+                <a:latin typeface="+mn-lt"/>
+              </a:rPr>
+              <a:t>This overview will discuss:</a:t>
+            </a:r>
+          </a:p>
+          <a:p>
+            <a:pPr marL="0" indent="0">
+              <a:buNone/>
+            </a:pPr>
+            <a:endParaRPr lang="en-US" sz="2000" dirty="0">
+              <a:latin typeface="+mn-lt"/>
+            </a:endParaRPr>
+          </a:p>
+          <a:p>
+            <a:pPr lvl="2"/>
+            <a:r>
+              <a:rPr lang="en-US" sz="2000" u="sng" dirty="0"/>
+              <a:t>Pre-Lab Resources</a:t>
+            </a:r>
             <a:r>
               <a:rPr lang="en-US" sz="2000" dirty="0"/>
-              <a:t>This overview will discuss:</a:t>
+              <a:t> at a high level </a:t>
             </a:r>
           </a:p>
           <a:p>
-            <a:pPr lvl="1"/>
+            <a:pPr lvl="2"/>
+            <a:r>
+              <a:rPr lang="en-US" sz="2000" u="sng" dirty="0"/>
+              <a:t>Pre-Lab Software</a:t>
+            </a:r>
             <a:r>
               <a:rPr lang="en-US" sz="2000" dirty="0"/>
-              <a:t>the data resources at a high level, </a:t>
+              <a:t> required to complete all the Power BI Modules</a:t>
             </a:r>
           </a:p>
           <a:p>
-            <a:pPr lvl="1"/>
+            <a:pPr lvl="2"/>
+            <a:r>
+              <a:rPr lang="en-US" sz="2000" u="sng" dirty="0"/>
+              <a:t>Expected Timeframe</a:t>
+            </a:r>
             <a:r>
               <a:rPr lang="en-US" sz="2000" dirty="0"/>
-              <a:t>the expected time frame, </a:t>
-            </a:r>
-          </a:p>
-          <a:p>
-            <a:pPr lvl="1"/>
-            <a:r>
-              <a:rPr lang="en-US" sz="2000" dirty="0"/>
-              <a:t>and </a:t>
+              <a:t> to complete the Pre-Lab Module</a:t>
             </a:r>
           </a:p>
         </p:txBody>
@@ -14406,11 +14438,11 @@
         </p:nvSpPr>
         <p:spPr/>
         <p:txBody>
-          <a:bodyPr/>
+          <a:bodyPr anchor="ctr"/>
           <a:lstStyle/>
           <a:p>
             <a:r>
-              <a:rPr lang="en-US" dirty="0"/>
+              <a:rPr lang="en-US" sz="4400" dirty="0"/>
               <a:t>Pre-Lab Overview</a:t>
             </a:r>
           </a:p>
@@ -14465,7 +14497,12 @@
             <p:ph type="body" sz="quarter" idx="10"/>
           </p:nvPr>
         </p:nvSpPr>
-        <p:spPr/>
+        <p:spPr>
+          <a:xfrm>
+            <a:off x="269239" y="1189177"/>
+            <a:ext cx="11653523" cy="783058"/>
+          </a:xfrm>
+        </p:spPr>
         <p:txBody>
           <a:bodyPr vert="horz" lIns="91440" tIns="45720" rIns="91440" bIns="45720" rtlCol="0">
             <a:normAutofit/>
@@ -14473,7 +14510,9 @@
           <a:lstStyle/>
           <a:p>
             <a:r>
-              <a:rPr lang="en-US" sz="2000" dirty="0"/>
+              <a:rPr lang="en-US" sz="2000" dirty="0">
+                <a:latin typeface="+mn-lt"/>
+              </a:rPr>
               <a:t>The set of resources are ordered and grouped in a logical manner to assist in leading workshops or developing skills through self-paced materials.</a:t>
             </a:r>
           </a:p>
@@ -14503,16 +14542,13 @@
           <a:lstStyle/>
           <a:p>
             <a:r>
-              <a:rPr lang="en-US" sz="4400" b="1" dirty="0">
-                <a:latin typeface="+mn-lt"/>
-              </a:rPr>
+              <a:rPr lang="en-US" sz="4400" b="1" dirty="0"/>
               <a:t>Pre-Lab Resources</a:t>
             </a:r>
             <a:endParaRPr lang="en-US" sz="4400" kern="1200" dirty="0">
               <a:solidFill>
                 <a:schemeClr val="tx1"/>
               </a:solidFill>
-              <a:latin typeface="+mn-lt"/>
               <a:ea typeface="+mj-ea"/>
               <a:cs typeface="+mj-cs"/>
             </a:endParaRPr>
@@ -14534,14 +14570,14 @@
           <p:nvPr>
             <p:extLst>
               <p:ext uri="{D42A27DB-BD31-4B8C-83A1-F6EECF244321}">
-                <p14:modId xmlns:p14="http://schemas.microsoft.com/office/powerpoint/2010/main" val="2386218235"/>
+                <p14:modId xmlns:p14="http://schemas.microsoft.com/office/powerpoint/2010/main" val="3456599471"/>
               </p:ext>
             </p:extLst>
           </p:nvPr>
         </p:nvGraphicFramePr>
         <p:xfrm>
-          <a:off x="2032000" y="2333138"/>
-          <a:ext cx="8128000" cy="2964180"/>
+          <a:off x="2032000" y="1972235"/>
+          <a:ext cx="8128000" cy="3931920"/>
         </p:xfrm>
         <a:graphic>
           <a:graphicData uri="http://schemas.openxmlformats.org/drawingml/2006/table">
@@ -14573,7 +14609,7 @@
                     <a:p>
                       <a:pPr algn="ctr"/>
                       <a:r>
-                        <a:rPr lang="en-US" dirty="0"/>
+                        <a:rPr lang="en-US" sz="2000" dirty="0"/>
                         <a:t>Data Sets</a:t>
                       </a:r>
                     </a:p>
@@ -14605,7 +14641,7 @@
                     <a:lstStyle/>
                     <a:p>
                       <a:r>
-                        <a:rPr lang="en-US" dirty="0"/>
+                        <a:rPr lang="en-US" sz="2000" dirty="0"/>
                         <a:t>Three methods of Data Sets are available for the Module.  Select one of the three options:</a:t>
                       </a:r>
                     </a:p>
@@ -14615,7 +14651,7 @@
                         <a:buChar char="•"/>
                       </a:pPr>
                       <a:r>
-                        <a:rPr lang="en-US" dirty="0"/>
+                        <a:rPr lang="en-US" sz="2000" dirty="0"/>
                         <a:t>Excel</a:t>
                       </a:r>
                     </a:p>
@@ -14625,10 +14661,10 @@
                         <a:buChar char="•"/>
                       </a:pPr>
                       <a:r>
-                        <a:rPr lang="en-US" dirty="0" err="1"/>
+                        <a:rPr lang="en-US" sz="2000" dirty="0" err="1"/>
                         <a:t>Bacpac</a:t>
                       </a:r>
-                      <a:endParaRPr lang="en-US" dirty="0"/>
+                      <a:endParaRPr lang="en-US" sz="2000" dirty="0"/>
                     </a:p>
                     <a:p>
                       <a:pPr marL="285750" indent="-285750">
@@ -14636,10 +14672,10 @@
                         <a:buChar char="•"/>
                       </a:pPr>
                       <a:r>
-                        <a:rPr lang="en-US" dirty="0" err="1"/>
+                        <a:rPr lang="en-US" sz="2000" dirty="0" err="1"/>
                         <a:t>Dstx</a:t>
                       </a:r>
-                      <a:endParaRPr lang="en-US" dirty="0"/>
+                      <a:endParaRPr lang="en-US" sz="2000" dirty="0"/>
                     </a:p>
                   </a:txBody>
                   <a:tcPr anchor="ctr">
@@ -14677,7 +14713,7 @@
                     <a:p>
                       <a:pPr algn="ctr"/>
                       <a:r>
-                        <a:rPr lang="en-US" dirty="0"/>
+                        <a:rPr lang="en-US" sz="2000" dirty="0"/>
                         <a:t>Workbooks</a:t>
                       </a:r>
                     </a:p>
@@ -14718,7 +14754,7 @@
                     <a:lstStyle/>
                     <a:p>
                       <a:r>
-                        <a:rPr lang="en-US" dirty="0"/>
+                        <a:rPr lang="en-US" sz="2000" dirty="0"/>
                         <a:t>Two Workbooks are attached as Power BI samples including visualizations</a:t>
                       </a:r>
                     </a:p>
@@ -14767,7 +14803,7 @@
                     <a:p>
                       <a:pPr algn="ctr"/>
                       <a:r>
-                        <a:rPr lang="en-US" dirty="0"/>
+                        <a:rPr lang="en-US" sz="2000" dirty="0"/>
                         <a:t>Web App</a:t>
                       </a:r>
                     </a:p>
@@ -14799,7 +14835,7 @@
                     <a:lstStyle/>
                     <a:p>
                       <a:r>
-                        <a:rPr lang="en-US" dirty="0"/>
+                        <a:rPr lang="en-US" sz="2000" dirty="0"/>
                         <a:t>Web Apps available to use as an example to embed Power BI objects</a:t>
                       </a:r>
                     </a:p>
@@ -14884,7 +14920,12 @@
             <p:ph type="body" sz="quarter" idx="10"/>
           </p:nvPr>
         </p:nvSpPr>
-        <p:spPr/>
+        <p:spPr>
+          <a:xfrm>
+            <a:off x="269239" y="1189177"/>
+            <a:ext cx="11653523" cy="792023"/>
+          </a:xfrm>
+        </p:spPr>
         <p:txBody>
           <a:bodyPr vert="horz" lIns="91440" tIns="45720" rIns="91440" bIns="45720" rtlCol="0">
             <a:normAutofit/>
@@ -14892,7 +14933,9 @@
           <a:lstStyle/>
           <a:p>
             <a:r>
-              <a:rPr lang="en-US" sz="2000" dirty="0"/>
+              <a:rPr lang="en-US" sz="2000" dirty="0">
+                <a:latin typeface="+mn-lt"/>
+              </a:rPr>
               <a:t>The set of resources are ordered and grouped in a logical manner to assist in leading workshops or developing skills through self-paced materials.</a:t>
             </a:r>
           </a:p>
@@ -14922,16 +14965,13 @@
           <a:lstStyle/>
           <a:p>
             <a:r>
-              <a:rPr lang="en-US" sz="4400" b="1" dirty="0">
-                <a:latin typeface="+mn-lt"/>
-              </a:rPr>
-              <a:t>Pre-Lab Tools</a:t>
+              <a:rPr lang="en-US" sz="4400" b="1" dirty="0"/>
+              <a:t>Pre-Lab Software</a:t>
             </a:r>
             <a:endParaRPr lang="en-US" sz="4400" kern="1200" dirty="0">
               <a:solidFill>
                 <a:schemeClr val="tx1"/>
               </a:solidFill>
-              <a:latin typeface="+mn-lt"/>
               <a:ea typeface="+mj-ea"/>
               <a:cs typeface="+mj-cs"/>
             </a:endParaRPr>
@@ -14953,14 +14993,14 @@
           <p:nvPr>
             <p:extLst>
               <p:ext uri="{D42A27DB-BD31-4B8C-83A1-F6EECF244321}">
-                <p14:modId xmlns:p14="http://schemas.microsoft.com/office/powerpoint/2010/main" val="942344232"/>
+                <p14:modId xmlns:p14="http://schemas.microsoft.com/office/powerpoint/2010/main" val="657988642"/>
               </p:ext>
             </p:extLst>
           </p:nvPr>
         </p:nvGraphicFramePr>
         <p:xfrm>
-          <a:off x="2032000" y="2333138"/>
-          <a:ext cx="8128000" cy="2964180"/>
+          <a:off x="2032000" y="1981200"/>
+          <a:ext cx="8128000" cy="1188720"/>
         </p:xfrm>
         <a:graphic>
           <a:graphicData uri="http://schemas.openxmlformats.org/drawingml/2006/table">
@@ -14992,7 +15032,7 @@
                     <a:p>
                       <a:pPr algn="ctr"/>
                       <a:r>
-                        <a:rPr lang="en-US" dirty="0"/>
+                        <a:rPr lang="en-US" sz="2000" dirty="0"/>
                         <a:t>Visual Studio Code</a:t>
                       </a:r>
                     </a:p>
@@ -15024,41 +15064,9 @@
                     <a:lstStyle/>
                     <a:p>
                       <a:r>
-                        <a:rPr lang="en-US" dirty="0"/>
-                        <a:t>Three methods of Data Sets are available for the Module.  Select one of the three options:</a:t>
+                        <a:rPr lang="en-US" sz="2000" dirty="0"/>
+                        <a:t>https://code.visualstudio.com/</a:t>
                       </a:r>
-                    </a:p>
-                    <a:p>
-                      <a:pPr marL="285750" indent="-285750">
-                        <a:buFont typeface="Arial" panose="020B0604020202020204" pitchFamily="34" charset="0"/>
-                        <a:buChar char="•"/>
-                      </a:pPr>
-                      <a:r>
-                        <a:rPr lang="en-US" dirty="0"/>
-                        <a:t>Excel</a:t>
-                      </a:r>
-                    </a:p>
-                    <a:p>
-                      <a:pPr marL="285750" indent="-285750">
-                        <a:buFont typeface="Arial" panose="020B0604020202020204" pitchFamily="34" charset="0"/>
-                        <a:buChar char="•"/>
-                      </a:pPr>
-                      <a:r>
-                        <a:rPr lang="en-US" dirty="0" err="1"/>
-                        <a:t>Bacpac</a:t>
-                      </a:r>
-                      <a:endParaRPr lang="en-US" dirty="0"/>
-                    </a:p>
-                    <a:p>
-                      <a:pPr marL="285750" indent="-285750">
-                        <a:buFont typeface="Arial" panose="020B0604020202020204" pitchFamily="34" charset="0"/>
-                        <a:buChar char="•"/>
-                      </a:pPr>
-                      <a:r>
-                        <a:rPr lang="en-US" dirty="0" err="1"/>
-                        <a:t>Dstx</a:t>
-                      </a:r>
-                      <a:endParaRPr lang="en-US" dirty="0"/>
                     </a:p>
                   </a:txBody>
                   <a:tcPr anchor="ctr">
@@ -15096,7 +15104,7 @@
                     <a:p>
                       <a:pPr algn="ctr"/>
                       <a:r>
-                        <a:rPr lang="en-US" dirty="0"/>
+                        <a:rPr lang="en-US" sz="2000" dirty="0"/>
                         <a:t>Power BI Desktop</a:t>
                       </a:r>
                     </a:p>
@@ -15136,10 +15144,7 @@
                     <a:bodyPr/>
                     <a:lstStyle/>
                     <a:p>
-                      <a:r>
-                        <a:rPr lang="en-US" dirty="0"/>
-                        <a:t>Two Workbooks are attached as Power BI samples including visualizations</a:t>
-                      </a:r>
+                      <a:endParaRPr lang="en-US" sz="2000" dirty="0"/>
                     </a:p>
                   </a:txBody>
                   <a:tcPr anchor="ctr">
@@ -15185,10 +15190,7 @@
                     <a:lstStyle/>
                     <a:p>
                       <a:pPr algn="ctr"/>
-                      <a:r>
-                        <a:rPr lang="en-US" dirty="0"/>
-                        <a:t>Web App</a:t>
-                      </a:r>
+                      <a:endParaRPr lang="en-US" sz="2000" dirty="0"/>
                     </a:p>
                   </a:txBody>
                   <a:tcPr anchor="ctr">
@@ -15217,10 +15219,7 @@
                     <a:bodyPr/>
                     <a:lstStyle/>
                     <a:p>
-                      <a:r>
-                        <a:rPr lang="en-US" dirty="0"/>
-                        <a:t>Web Apps available to use as an example to embed Power BI objects</a:t>
-                      </a:r>
+                      <a:endParaRPr lang="en-US" sz="2000" dirty="0"/>
                     </a:p>
                   </a:txBody>
                   <a:tcPr anchor="ctr">
@@ -15306,7 +15305,7 @@
         <p:spPr>
           <a:xfrm>
             <a:off x="269239" y="1189177"/>
-            <a:ext cx="11653523" cy="464423"/>
+            <a:ext cx="11653523" cy="1077218"/>
           </a:xfrm>
         </p:spPr>
         <p:txBody>
@@ -15314,8 +15313,18 @@
           <a:lstStyle/>
           <a:p>
             <a:r>
-              <a:rPr lang="en-US" sz="2020" dirty="0"/>
-              <a:t>The Pre-Lab Module can take </a:t>
+              <a:rPr lang="en-US" sz="2000" dirty="0">
+                <a:latin typeface="+mn-lt"/>
+              </a:rPr>
+              <a:t>The total estimated length is approximately one hour from end to end, but varies depending on the number of tasks needed.  </a:t>
+            </a:r>
+          </a:p>
+          <a:p>
+            <a:r>
+              <a:rPr lang="en-US" sz="2000" dirty="0">
+                <a:latin typeface="+mn-lt"/>
+              </a:rPr>
+              <a:t>As a reference, use the following table for estimations for each of the components: </a:t>
             </a:r>
           </a:p>
         </p:txBody>
@@ -15338,16 +15347,271 @@
         </p:nvSpPr>
         <p:spPr/>
         <p:txBody>
-          <a:bodyPr/>
+          <a:bodyPr anchor="ctr"/>
           <a:lstStyle/>
           <a:p>
             <a:r>
-              <a:rPr lang="en-US" dirty="0"/>
+              <a:rPr lang="en-US" sz="4400" dirty="0"/>
               <a:t>Timeframe</a:t>
             </a:r>
           </a:p>
         </p:txBody>
       </p:sp>
+      <p:graphicFrame>
+        <p:nvGraphicFramePr>
+          <p:cNvPr id="4" name="Table 3">
+            <a:extLst>
+              <a:ext uri="{FF2B5EF4-FFF2-40B4-BE49-F238E27FC236}">
+                <a16:creationId xmlns:a16="http://schemas.microsoft.com/office/drawing/2014/main" id="{1504B325-C4A8-4AD3-9636-ADD9D0C265E2}"/>
+              </a:ext>
+            </a:extLst>
+          </p:cNvPr>
+          <p:cNvGraphicFramePr>
+            <a:graphicFrameLocks noGrp="1"/>
+          </p:cNvGraphicFramePr>
+          <p:nvPr>
+            <p:extLst>
+              <p:ext uri="{D42A27DB-BD31-4B8C-83A1-F6EECF244321}">
+                <p14:modId xmlns:p14="http://schemas.microsoft.com/office/powerpoint/2010/main" val="180800966"/>
+              </p:ext>
+            </p:extLst>
+          </p:nvPr>
+        </p:nvGraphicFramePr>
+        <p:xfrm>
+          <a:off x="1484779" y="2732244"/>
+          <a:ext cx="9222442" cy="2377440"/>
+        </p:xfrm>
+        <a:graphic>
+          <a:graphicData uri="http://schemas.openxmlformats.org/drawingml/2006/table">
+            <a:tbl>
+              <a:tblPr firstRow="1" bandRow="1">
+                <a:tableStyleId>{5C22544A-7EE6-4342-B048-85BDC9FD1C3A}</a:tableStyleId>
+              </a:tblPr>
+              <a:tblGrid>
+                <a:gridCol w="7393157">
+                  <a:extLst>
+                    <a:ext uri="{9D8B030D-6E8A-4147-A177-3AD203B41FA5}">
+                      <a16:colId xmlns:a16="http://schemas.microsoft.com/office/drawing/2014/main" val="199954796"/>
+                    </a:ext>
+                  </a:extLst>
+                </a:gridCol>
+                <a:gridCol w="1829285">
+                  <a:extLst>
+                    <a:ext uri="{9D8B030D-6E8A-4147-A177-3AD203B41FA5}">
+                      <a16:colId xmlns:a16="http://schemas.microsoft.com/office/drawing/2014/main" val="2520951624"/>
+                    </a:ext>
+                  </a:extLst>
+                </a:gridCol>
+              </a:tblGrid>
+              <a:tr h="370840">
+                <a:tc>
+                  <a:txBody>
+                    <a:bodyPr/>
+                    <a:lstStyle/>
+                    <a:p>
+                      <a:pPr algn="ctr"/>
+                      <a:r>
+                        <a:rPr lang="en-US" sz="2000" dirty="0"/>
+                        <a:t>Task</a:t>
+                      </a:r>
+                    </a:p>
+                  </a:txBody>
+                  <a:tcPr/>
+                </a:tc>
+                <a:tc>
+                  <a:txBody>
+                    <a:bodyPr/>
+                    <a:lstStyle/>
+                    <a:p>
+                      <a:pPr algn="ctr"/>
+                      <a:r>
+                        <a:rPr lang="en-US" sz="2000" dirty="0"/>
+                        <a:t>Time</a:t>
+                      </a:r>
+                    </a:p>
+                  </a:txBody>
+                  <a:tcPr/>
+                </a:tc>
+                <a:extLst>
+                  <a:ext uri="{0D108BD9-81ED-4DB2-BD59-A6C34878D82A}">
+                    <a16:rowId xmlns:a16="http://schemas.microsoft.com/office/drawing/2014/main" val="2285427818"/>
+                  </a:ext>
+                </a:extLst>
+              </a:tr>
+              <a:tr h="370840">
+                <a:tc>
+                  <a:txBody>
+                    <a:bodyPr/>
+                    <a:lstStyle/>
+                    <a:p>
+                      <a:r>
+                        <a:rPr lang="en-US" sz="2000" dirty="0"/>
+                        <a:t>Create Azure Portal Account</a:t>
+                      </a:r>
+                    </a:p>
+                  </a:txBody>
+                  <a:tcPr/>
+                </a:tc>
+                <a:tc>
+                  <a:txBody>
+                    <a:bodyPr/>
+                    <a:lstStyle/>
+                    <a:p>
+                      <a:pPr algn="ctr"/>
+                      <a:r>
+                        <a:rPr lang="en-US" sz="2000" dirty="0"/>
+                        <a:t>10 Minutes</a:t>
+                      </a:r>
+                    </a:p>
+                  </a:txBody>
+                  <a:tcPr/>
+                </a:tc>
+                <a:extLst>
+                  <a:ext uri="{0D108BD9-81ED-4DB2-BD59-A6C34878D82A}">
+                    <a16:rowId xmlns:a16="http://schemas.microsoft.com/office/drawing/2014/main" val="1504161399"/>
+                  </a:ext>
+                </a:extLst>
+              </a:tr>
+              <a:tr h="370840">
+                <a:tc>
+                  <a:txBody>
+                    <a:bodyPr/>
+                    <a:lstStyle/>
+                    <a:p>
+                      <a:r>
+                        <a:rPr lang="en-US" sz="2000" dirty="0"/>
+                        <a:t>Download and Install Power BI Desktop</a:t>
+                      </a:r>
+                    </a:p>
+                  </a:txBody>
+                  <a:tcPr/>
+                </a:tc>
+                <a:tc>
+                  <a:txBody>
+                    <a:bodyPr/>
+                    <a:lstStyle/>
+                    <a:p>
+                      <a:pPr algn="ctr"/>
+                      <a:r>
+                        <a:rPr lang="en-US" sz="2000" dirty="0"/>
+                        <a:t>15 Minutes</a:t>
+                      </a:r>
+                    </a:p>
+                  </a:txBody>
+                  <a:tcPr/>
+                </a:tc>
+                <a:extLst>
+                  <a:ext uri="{0D108BD9-81ED-4DB2-BD59-A6C34878D82A}">
+                    <a16:rowId xmlns:a16="http://schemas.microsoft.com/office/drawing/2014/main" val="418588101"/>
+                  </a:ext>
+                </a:extLst>
+              </a:tr>
+              <a:tr h="370840">
+                <a:tc>
+                  <a:txBody>
+                    <a:bodyPr/>
+                    <a:lstStyle/>
+                    <a:p>
+                      <a:r>
+                        <a:rPr lang="en-US" sz="2000" dirty="0"/>
+                        <a:t>Download and Install Visual Studio Code</a:t>
+                      </a:r>
+                    </a:p>
+                  </a:txBody>
+                  <a:tcPr/>
+                </a:tc>
+                <a:tc>
+                  <a:txBody>
+                    <a:bodyPr/>
+                    <a:lstStyle/>
+                    <a:p>
+                      <a:pPr algn="ctr"/>
+                      <a:r>
+                        <a:rPr lang="en-US" sz="2000" dirty="0"/>
+                        <a:t>15 Minutes</a:t>
+                      </a:r>
+                    </a:p>
+                  </a:txBody>
+                  <a:tcPr/>
+                </a:tc>
+                <a:extLst>
+                  <a:ext uri="{0D108BD9-81ED-4DB2-BD59-A6C34878D82A}">
+                    <a16:rowId xmlns:a16="http://schemas.microsoft.com/office/drawing/2014/main" val="2604995493"/>
+                  </a:ext>
+                </a:extLst>
+              </a:tr>
+              <a:tr h="370840">
+                <a:tc>
+                  <a:txBody>
+                    <a:bodyPr/>
+                    <a:lstStyle/>
+                    <a:p>
+                      <a:r>
+                        <a:rPr lang="en-US" sz="2000" dirty="0"/>
+                        <a:t>Download all Module Resources: Data Sets, Workbooks, Web App</a:t>
+                      </a:r>
+                    </a:p>
+                  </a:txBody>
+                  <a:tcPr/>
+                </a:tc>
+                <a:tc>
+                  <a:txBody>
+                    <a:bodyPr/>
+                    <a:lstStyle/>
+                    <a:p>
+                      <a:pPr algn="ctr"/>
+                      <a:r>
+                        <a:rPr lang="en-US" sz="2000" dirty="0"/>
+                        <a:t>10 Minutes</a:t>
+                      </a:r>
+                    </a:p>
+                  </a:txBody>
+                  <a:tcPr/>
+                </a:tc>
+                <a:extLst>
+                  <a:ext uri="{0D108BD9-81ED-4DB2-BD59-A6C34878D82A}">
+                    <a16:rowId xmlns:a16="http://schemas.microsoft.com/office/drawing/2014/main" val="3311288252"/>
+                  </a:ext>
+                </a:extLst>
+              </a:tr>
+              <a:tr h="370840">
+                <a:tc>
+                  <a:txBody>
+                    <a:bodyPr/>
+                    <a:lstStyle/>
+                    <a:p>
+                      <a:r>
+                        <a:rPr lang="en-US" sz="2000" dirty="0"/>
+                        <a:t>Connect Workbooks to Data Set</a:t>
+                      </a:r>
+                    </a:p>
+                  </a:txBody>
+                  <a:tcPr/>
+                </a:tc>
+                <a:tc>
+                  <a:txBody>
+                    <a:bodyPr/>
+                    <a:lstStyle/>
+                    <a:p>
+                      <a:pPr algn="ctr"/>
+                      <a:r>
+                        <a:rPr lang="en-US" sz="2000" dirty="0"/>
+                        <a:t>10 Minutes</a:t>
+                      </a:r>
+                    </a:p>
+                  </a:txBody>
+                  <a:tcPr/>
+                </a:tc>
+                <a:extLst>
+                  <a:ext uri="{0D108BD9-81ED-4DB2-BD59-A6C34878D82A}">
+                    <a16:rowId xmlns:a16="http://schemas.microsoft.com/office/drawing/2014/main" val="2092728408"/>
+                  </a:ext>
+                </a:extLst>
+              </a:tr>
+            </a:tbl>
+          </a:graphicData>
+        </a:graphic>
+      </p:graphicFrame>
     </p:spTree>
     <p:extLst>
       <p:ext uri="{BB962C8B-B14F-4D97-AF65-F5344CB8AC3E}">
@@ -16298,24 +16562,6 @@
 </file>
 
 <file path=customXml/item1.xml><?xml version="1.0" encoding="utf-8"?>
-<?mso-contentType ?>
-<FormTemplates xmlns="http://schemas.microsoft.com/sharepoint/v3/contenttype/forms">
-  <Display>DocumentLibraryForm</Display>
-  <Edit>DocumentLibraryForm</Edit>
-  <New>DocumentLibraryForm</New>
-</FormTemplates>
-</file>
-
-<file path=customXml/item2.xml><?xml version="1.0" encoding="utf-8"?>
-<p:properties xmlns:p="http://schemas.microsoft.com/office/2006/metadata/properties" xmlns:xsi="http://www.w3.org/2001/XMLSchema-instance" xmlns:pc="http://schemas.microsoft.com/office/infopath/2007/PartnerControls">
-  <documentManagement>
-    <_ip_UnifiedCompliancePolicyUIAction xmlns="http://schemas.microsoft.com/sharepoint/v3" xsi:nil="true"/>
-    <_ip_UnifiedCompliancePolicyProperties xmlns="http://schemas.microsoft.com/sharepoint/v3" xsi:nil="true"/>
-  </documentManagement>
-</p:properties>
-</file>
-
-<file path=customXml/item3.xml><?xml version="1.0" encoding="utf-8"?>
 <ct:contentTypeSchema xmlns:ct="http://schemas.microsoft.com/office/2006/metadata/contentType" xmlns:ma="http://schemas.microsoft.com/office/2006/metadata/properties/metaAttributes" ct:_="" ma:_="" ma:contentTypeName="Document" ma:contentTypeID="0x010100D15DFA3690A15B4081582BBCC6BEAC3E" ma:contentTypeVersion="9" ma:contentTypeDescription="Create a new document." ma:contentTypeScope="" ma:versionID="642da1784587cbe85a7fdbbe4dc36103">
   <xsd:schema xmlns:xsd="http://www.w3.org/2001/XMLSchema" xmlns:xs="http://www.w3.org/2001/XMLSchema" xmlns:p="http://schemas.microsoft.com/office/2006/metadata/properties" xmlns:ns1="http://schemas.microsoft.com/sharepoint/v3" xmlns:ns2="2023ac63-7b75-4916-a9ee-591457758eee" xmlns:ns3="d9c797ad-d7c3-4982-82b7-81352a75e4a5" targetNamespace="http://schemas.microsoft.com/office/2006/metadata/properties" ma:root="true" ma:fieldsID="91198b0246576053cc55dd2c67035a89" ns1:_="" ns2:_="" ns3:_="">
     <xsd:import namespace="http://schemas.microsoft.com/sharepoint/v3"/>
@@ -16517,10 +16763,40 @@
 </ct:contentTypeSchema>
 </file>
 
+<file path=customXml/item2.xml><?xml version="1.0" encoding="utf-8"?>
+<p:properties xmlns:p="http://schemas.microsoft.com/office/2006/metadata/properties" xmlns:xsi="http://www.w3.org/2001/XMLSchema-instance" xmlns:pc="http://schemas.microsoft.com/office/infopath/2007/PartnerControls">
+  <documentManagement>
+    <_ip_UnifiedCompliancePolicyUIAction xmlns="http://schemas.microsoft.com/sharepoint/v3" xsi:nil="true"/>
+    <_ip_UnifiedCompliancePolicyProperties xmlns="http://schemas.microsoft.com/sharepoint/v3" xsi:nil="true"/>
+  </documentManagement>
+</p:properties>
+</file>
+
+<file path=customXml/item3.xml><?xml version="1.0" encoding="utf-8"?>
+<?mso-contentType ?>
+<FormTemplates xmlns="http://schemas.microsoft.com/sharepoint/v3/contenttype/forms">
+  <Display>DocumentLibraryForm</Display>
+  <Edit>DocumentLibraryForm</Edit>
+  <New>DocumentLibraryForm</New>
+</FormTemplates>
+</file>
+
 <file path=customXml/itemProps1.xml><?xml version="1.0" encoding="utf-8"?>
-<ds:datastoreItem xmlns:ds="http://schemas.openxmlformats.org/officeDocument/2006/customXml" ds:itemID="{F18501AF-04CF-4482-BAE1-607B49DDC378}">
+<ds:datastoreItem xmlns:ds="http://schemas.openxmlformats.org/officeDocument/2006/customXml" ds:itemID="{255F5BEB-6AD6-480A-8556-C80C5EBC10F2}">
   <ds:schemaRefs>
-    <ds:schemaRef ds:uri="http://schemas.microsoft.com/sharepoint/v3/contenttype/forms"/>
+    <ds:schemaRef ds:uri="http://schemas.microsoft.com/office/2006/metadata/contentType"/>
+    <ds:schemaRef ds:uri="http://schemas.microsoft.com/office/2006/metadata/properties/metaAttributes"/>
+    <ds:schemaRef ds:uri="http://www.w3.org/2001/XMLSchema"/>
+    <ds:schemaRef ds:uri="http://schemas.microsoft.com/office/2006/metadata/properties"/>
+    <ds:schemaRef ds:uri="http://schemas.microsoft.com/sharepoint/v3"/>
+    <ds:schemaRef ds:uri="2023ac63-7b75-4916-a9ee-591457758eee"/>
+    <ds:schemaRef ds:uri="d9c797ad-d7c3-4982-82b7-81352a75e4a5"/>
+    <ds:schemaRef ds:uri="http://schemas.microsoft.com/office/2006/documentManagement/types"/>
+    <ds:schemaRef ds:uri="http://schemas.microsoft.com/office/infopath/2007/PartnerControls"/>
+    <ds:schemaRef ds:uri="http://schemas.openxmlformats.org/package/2006/metadata/core-properties"/>
+    <ds:schemaRef ds:uri="http://purl.org/dc/elements/1.1/"/>
+    <ds:schemaRef ds:uri="http://purl.org/dc/terms/"/>
+    <ds:schemaRef ds:uri="http://schemas.microsoft.com/internal/obd"/>
   </ds:schemaRefs>
 </ds:datastoreItem>
 </file>
@@ -16544,21 +16820,9 @@
 </file>
 
 <file path=customXml/itemProps3.xml><?xml version="1.0" encoding="utf-8"?>
-<ds:datastoreItem xmlns:ds="http://schemas.openxmlformats.org/officeDocument/2006/customXml" ds:itemID="{255F5BEB-6AD6-480A-8556-C80C5EBC10F2}">
+<ds:datastoreItem xmlns:ds="http://schemas.openxmlformats.org/officeDocument/2006/customXml" ds:itemID="{F18501AF-04CF-4482-BAE1-607B49DDC378}">
   <ds:schemaRefs>
-    <ds:schemaRef ds:uri="http://schemas.microsoft.com/office/2006/metadata/contentType"/>
-    <ds:schemaRef ds:uri="http://schemas.microsoft.com/office/2006/metadata/properties/metaAttributes"/>
-    <ds:schemaRef ds:uri="http://www.w3.org/2001/XMLSchema"/>
-    <ds:schemaRef ds:uri="http://schemas.microsoft.com/office/2006/metadata/properties"/>
-    <ds:schemaRef ds:uri="http://schemas.microsoft.com/sharepoint/v3"/>
-    <ds:schemaRef ds:uri="2023ac63-7b75-4916-a9ee-591457758eee"/>
-    <ds:schemaRef ds:uri="d9c797ad-d7c3-4982-82b7-81352a75e4a5"/>
-    <ds:schemaRef ds:uri="http://schemas.microsoft.com/office/2006/documentManagement/types"/>
-    <ds:schemaRef ds:uri="http://schemas.microsoft.com/office/infopath/2007/PartnerControls"/>
-    <ds:schemaRef ds:uri="http://schemas.openxmlformats.org/package/2006/metadata/core-properties"/>
-    <ds:schemaRef ds:uri="http://purl.org/dc/elements/1.1/"/>
-    <ds:schemaRef ds:uri="http://purl.org/dc/terms/"/>
-    <ds:schemaRef ds:uri="http://schemas.microsoft.com/internal/obd"/>
+    <ds:schemaRef ds:uri="http://schemas.microsoft.com/sharepoint/v3/contenttype/forms"/>
   </ds:schemaRefs>
 </ds:datastoreItem>
 </file>